--- a/lectures/0-Overview.pptx
+++ b/lectures/0-Overview.pptx
@@ -210,7 +210,7 @@
           <a:p>
             <a:fld id="{A2472FB4-D3E2-AE43-B634-FEEAFFC420FD}" type="datetimeFigureOut">
               <a:rPr lang="en-US" smtClean="0"/>
-              <a:t>5/1/20</a:t>
+              <a:t>5/23/20</a:t>
             </a:fld>
             <a:endParaRPr lang="en-US"/>
           </a:p>
@@ -1128,7 +1128,7 @@
           <a:p>
             <a:fld id="{2AAA8945-93FC-CD4D-85EF-05021FBA20E6}" type="datetimeFigureOut">
               <a:rPr lang="en-US" smtClean="0"/>
-              <a:t>5/1/20</a:t>
+              <a:t>5/23/20</a:t>
             </a:fld>
             <a:endParaRPr lang="en-US"/>
           </a:p>
@@ -1326,7 +1326,7 @@
           <a:p>
             <a:fld id="{2AAA8945-93FC-CD4D-85EF-05021FBA20E6}" type="datetimeFigureOut">
               <a:rPr lang="en-US" smtClean="0"/>
-              <a:t>5/1/20</a:t>
+              <a:t>5/23/20</a:t>
             </a:fld>
             <a:endParaRPr lang="en-US"/>
           </a:p>
@@ -1534,7 +1534,7 @@
           <a:p>
             <a:fld id="{2AAA8945-93FC-CD4D-85EF-05021FBA20E6}" type="datetimeFigureOut">
               <a:rPr lang="en-US" smtClean="0"/>
-              <a:t>5/1/20</a:t>
+              <a:t>5/23/20</a:t>
             </a:fld>
             <a:endParaRPr lang="en-US"/>
           </a:p>
@@ -1732,7 +1732,7 @@
           <a:p>
             <a:fld id="{2AAA8945-93FC-CD4D-85EF-05021FBA20E6}" type="datetimeFigureOut">
               <a:rPr lang="en-US" smtClean="0"/>
-              <a:t>5/1/20</a:t>
+              <a:t>5/23/20</a:t>
             </a:fld>
             <a:endParaRPr lang="en-US"/>
           </a:p>
@@ -2007,7 +2007,7 @@
           <a:p>
             <a:fld id="{2AAA8945-93FC-CD4D-85EF-05021FBA20E6}" type="datetimeFigureOut">
               <a:rPr lang="en-US" smtClean="0"/>
-              <a:t>5/1/20</a:t>
+              <a:t>5/23/20</a:t>
             </a:fld>
             <a:endParaRPr lang="en-US"/>
           </a:p>
@@ -2272,7 +2272,7 @@
           <a:p>
             <a:fld id="{2AAA8945-93FC-CD4D-85EF-05021FBA20E6}" type="datetimeFigureOut">
               <a:rPr lang="en-US" smtClean="0"/>
-              <a:t>5/1/20</a:t>
+              <a:t>5/23/20</a:t>
             </a:fld>
             <a:endParaRPr lang="en-US"/>
           </a:p>
@@ -2684,7 +2684,7 @@
           <a:p>
             <a:fld id="{2AAA8945-93FC-CD4D-85EF-05021FBA20E6}" type="datetimeFigureOut">
               <a:rPr lang="en-US" smtClean="0"/>
-              <a:t>5/1/20</a:t>
+              <a:t>5/23/20</a:t>
             </a:fld>
             <a:endParaRPr lang="en-US"/>
           </a:p>
@@ -2825,7 +2825,7 @@
           <a:p>
             <a:fld id="{2AAA8945-93FC-CD4D-85EF-05021FBA20E6}" type="datetimeFigureOut">
               <a:rPr lang="en-US" smtClean="0"/>
-              <a:t>5/1/20</a:t>
+              <a:t>5/23/20</a:t>
             </a:fld>
             <a:endParaRPr lang="en-US"/>
           </a:p>
@@ -2938,7 +2938,7 @@
           <a:p>
             <a:fld id="{2AAA8945-93FC-CD4D-85EF-05021FBA20E6}" type="datetimeFigureOut">
               <a:rPr lang="en-US" smtClean="0"/>
-              <a:t>5/1/20</a:t>
+              <a:t>5/23/20</a:t>
             </a:fld>
             <a:endParaRPr lang="en-US"/>
           </a:p>
@@ -3249,7 +3249,7 @@
           <a:p>
             <a:fld id="{2AAA8945-93FC-CD4D-85EF-05021FBA20E6}" type="datetimeFigureOut">
               <a:rPr lang="en-US" smtClean="0"/>
-              <a:t>5/1/20</a:t>
+              <a:t>5/23/20</a:t>
             </a:fld>
             <a:endParaRPr lang="en-US"/>
           </a:p>
@@ -3537,7 +3537,7 @@
           <a:p>
             <a:fld id="{2AAA8945-93FC-CD4D-85EF-05021FBA20E6}" type="datetimeFigureOut">
               <a:rPr lang="en-US" smtClean="0"/>
-              <a:t>5/1/20</a:t>
+              <a:t>5/23/20</a:t>
             </a:fld>
             <a:endParaRPr lang="en-US"/>
           </a:p>
@@ -3778,7 +3778,7 @@
           <a:p>
             <a:fld id="{2AAA8945-93FC-CD4D-85EF-05021FBA20E6}" type="datetimeFigureOut">
               <a:rPr lang="en-US" smtClean="0"/>
-              <a:t>5/1/20</a:t>
+              <a:t>5/23/20</a:t>
             </a:fld>
             <a:endParaRPr lang="en-US"/>
           </a:p>
@@ -5131,13 +5131,6 @@
             <a:pPr lvl="1"/>
             <a:r>
               <a:rPr lang="en-US" dirty="0"/>
-              <a:t>Prediction: What is going to happen? What will happen if…?</a:t>
-            </a:r>
-          </a:p>
-          <a:p>
-            <a:pPr lvl="1"/>
-            <a:r>
-              <a:rPr lang="en-US" dirty="0"/>
               <a:t>Regression: What is the value of something I’m trying to predict? </a:t>
             </a:r>
           </a:p>
@@ -5146,6 +5139,13 @@
             <a:r>
               <a:rPr lang="en-US" dirty="0"/>
               <a:t>Classification: What class/type does this data point belong to?</a:t>
+            </a:r>
+          </a:p>
+          <a:p>
+            <a:pPr lvl="1"/>
+            <a:r>
+              <a:rPr lang="en-US" dirty="0"/>
+              <a:t>Prediction: What is going to happen? What will happen if…?</a:t>
             </a:r>
             <a:br>
               <a:rPr lang="en-US" dirty="0"/>
@@ -5163,6 +5163,13 @@
             <a:r>
               <a:rPr lang="en-US" dirty="0"/>
               <a:t>Clustering: What are natural groups for this data?</a:t>
+            </a:r>
+          </a:p>
+          <a:p>
+            <a:pPr lvl="1"/>
+            <a:r>
+              <a:rPr lang="en-US" dirty="0"/>
+              <a:t>Dimensionality Reduction: What are the most important aspects of the data?</a:t>
             </a:r>
           </a:p>
           <a:p>
@@ -5439,6 +5446,37 @@
                                   </p:childTnLst>
                                 </p:cTn>
                               </p:par>
+                              <p:par>
+                                <p:cTn id="21" presetID="1" presetClass="entr" presetSubtype="0" fill="hold" grpId="0" nodeType="withEffect">
+                                  <p:stCondLst>
+                                    <p:cond delay="0"/>
+                                  </p:stCondLst>
+                                  <p:childTnLst>
+                                    <p:set>
+                                      <p:cBhvr>
+                                        <p:cTn id="22" dur="1" fill="hold">
+                                          <p:stCondLst>
+                                            <p:cond delay="0"/>
+                                          </p:stCondLst>
+                                        </p:cTn>
+                                        <p:tgtEl>
+                                          <p:spTgt spid="3">
+                                            <p:txEl>
+                                              <p:pRg st="7" end="7"/>
+                                            </p:txEl>
+                                          </p:spTgt>
+                                        </p:tgtEl>
+                                        <p:attrNameLst>
+                                          <p:attrName>style.visibility</p:attrName>
+                                        </p:attrNameLst>
+                                      </p:cBhvr>
+                                      <p:to>
+                                        <p:strVal val="visible"/>
+                                      </p:to>
+                                    </p:set>
+                                  </p:childTnLst>
+                                </p:cTn>
+                              </p:par>
                             </p:childTnLst>
                           </p:cTn>
                         </p:par>
@@ -6221,7 +6259,7 @@
           <a:p>
             <a:r>
               <a:rPr lang="en-US" dirty="0"/>
-              <a:t>Modeling</a:t>
+              <a:t>Modeling (Supervised Learning)</a:t>
             </a:r>
           </a:p>
         </p:txBody>
@@ -6396,14 +6434,14 @@
             </a:ln>
             <a:extLst>
               <a:ext uri="{909E8E84-426E-40dd-AFC4-6F175D3DCCD1}">
-                <a14:hiddenFill xmlns="" xmlns:a14="http://schemas.microsoft.com/office/drawing/2010/main">
+                <a14:hiddenFill xmlns:a14="http://schemas.microsoft.com/office/drawing/2010/main" xmlns="">
                   <a:solidFill>
                     <a:srgbClr val="FFFFFF"/>
                   </a:solidFill>
                 </a14:hiddenFill>
               </a:ext>
               <a:ext uri="{91240B29-F687-4f45-9708-019B960494DF}">
-                <a14:hiddenLine xmlns="" xmlns:a14="http://schemas.microsoft.com/office/drawing/2010/main" w="9525">
+                <a14:hiddenLine xmlns:a14="http://schemas.microsoft.com/office/drawing/2010/main" xmlns="" w="9525">
                   <a:solidFill>
                     <a:srgbClr val="000000"/>
                   </a:solidFill>
@@ -6815,14 +6853,14 @@
           </a:ln>
           <a:extLst>
             <a:ext uri="{909E8E84-426E-40dd-AFC4-6F175D3DCCD1}">
-              <a14:hiddenFill xmlns="" xmlns:a14="http://schemas.microsoft.com/office/drawing/2010/main">
+              <a14:hiddenFill xmlns:a14="http://schemas.microsoft.com/office/drawing/2010/main" xmlns="">
                 <a:solidFill>
                   <a:srgbClr val="FFFFFF"/>
                 </a:solidFill>
               </a14:hiddenFill>
             </a:ext>
             <a:ext uri="{91240B29-F687-4f45-9708-019B960494DF}">
-              <a14:hiddenLine xmlns="" xmlns:a14="http://schemas.microsoft.com/office/drawing/2010/main" w="9525">
+              <a14:hiddenLine xmlns:a14="http://schemas.microsoft.com/office/drawing/2010/main" xmlns="" w="9525">
                 <a:solidFill>
                   <a:srgbClr val="000000"/>
                 </a:solidFill>
@@ -7414,14 +7452,14 @@
           </a:ln>
           <a:extLst>
             <a:ext uri="{909E8E84-426E-40dd-AFC4-6F175D3DCCD1}">
-              <a14:hiddenFill xmlns="" xmlns:a14="http://schemas.microsoft.com/office/drawing/2010/main">
+              <a14:hiddenFill xmlns:a14="http://schemas.microsoft.com/office/drawing/2010/main" xmlns="">
                 <a:solidFill>
                   <a:srgbClr val="FFFFFF"/>
                 </a:solidFill>
               </a14:hiddenFill>
             </a:ext>
             <a:ext uri="{91240B29-F687-4f45-9708-019B960494DF}">
-              <a14:hiddenLine xmlns="" xmlns:a14="http://schemas.microsoft.com/office/drawing/2010/main" w="9525">
+              <a14:hiddenLine xmlns:a14="http://schemas.microsoft.com/office/drawing/2010/main" xmlns="" w="9525">
                 <a:solidFill>
                   <a:srgbClr val="000000"/>
                 </a:solidFill>
@@ -7581,14 +7619,14 @@
             </a:ln>
             <a:extLst>
               <a:ext uri="{909E8E84-426E-40dd-AFC4-6F175D3DCCD1}">
-                <a14:hiddenFill xmlns="" xmlns:a14="http://schemas.microsoft.com/office/drawing/2010/main">
+                <a14:hiddenFill xmlns:a14="http://schemas.microsoft.com/office/drawing/2010/main" xmlns="">
                   <a:solidFill>
                     <a:srgbClr val="FFFFFF"/>
                   </a:solidFill>
                 </a14:hiddenFill>
               </a:ext>
               <a:ext uri="{91240B29-F687-4f45-9708-019B960494DF}">
-                <a14:hiddenLine xmlns="" xmlns:a14="http://schemas.microsoft.com/office/drawing/2010/main" w="9525">
+                <a14:hiddenLine xmlns:a14="http://schemas.microsoft.com/office/drawing/2010/main" xmlns="" w="9525">
                   <a:solidFill>
                     <a:srgbClr val="000000"/>
                   </a:solidFill>
